--- a/slides/4 - Pipes and styling.pptx
+++ b/slides/4 - Pipes and styling.pptx
@@ -14,6 +14,7 @@
     <p:sldId id="261" r:id="rId8"/>
     <p:sldId id="262" r:id="rId9"/>
     <p:sldId id="263" r:id="rId10"/>
+    <p:sldId id="265" r:id="rId11"/>
   </p:sldIdLst>
   <p:sldSz cx="12192000" cy="6858000"/>
   <p:notesSz cx="6858000" cy="9144000"/>
@@ -112,6 +113,11 @@
       </a:defRPr>
     </a:lvl9pPr>
   </p:defaultTextStyle>
+  <p:extLst>
+    <p:ext uri="{EFAFB233-063F-42B5-8137-9DF3F51BA10A}">
+      <p15:sldGuideLst xmlns:p15="http://schemas.microsoft.com/office/powerpoint/2012/main"/>
+    </p:ext>
+  </p:extLst>
 </p:presentation>
 </file>
 
@@ -160,7 +166,6 @@
               <a:rPr lang="en-US"/>
               <a:t>Click to edit Master title style</a:t>
             </a:r>
-            <a:endParaRPr lang="en-US"/>
           </a:p>
         </p:txBody>
       </p:sp>
@@ -225,7 +230,6 @@
               <a:rPr lang="en-US"/>
               <a:t>Click to edit Master subtitle style</a:t>
             </a:r>
-            <a:endParaRPr lang="en-US"/>
           </a:p>
         </p:txBody>
       </p:sp>
@@ -343,7 +347,6 @@
               <a:rPr lang="en-US"/>
               <a:t>Click to edit Master title style</a:t>
             </a:r>
-            <a:endParaRPr lang="en-US"/>
           </a:p>
         </p:txBody>
       </p:sp>
@@ -395,7 +398,6 @@
               <a:rPr lang="en-US"/>
               <a:t>Fifth level</a:t>
             </a:r>
-            <a:endParaRPr lang="en-US"/>
           </a:p>
         </p:txBody>
       </p:sp>
@@ -518,7 +520,6 @@
               <a:rPr lang="en-US"/>
               <a:t>Click to edit Master title style</a:t>
             </a:r>
-            <a:endParaRPr lang="en-US"/>
           </a:p>
         </p:txBody>
       </p:sp>
@@ -575,7 +576,6 @@
               <a:rPr lang="en-US"/>
               <a:t>Fifth level</a:t>
             </a:r>
-            <a:endParaRPr lang="en-US"/>
           </a:p>
         </p:txBody>
       </p:sp>
@@ -693,7 +693,6 @@
               <a:rPr lang="en-US"/>
               <a:t>Click to edit Master title style</a:t>
             </a:r>
-            <a:endParaRPr lang="en-US"/>
           </a:p>
         </p:txBody>
       </p:sp>
@@ -745,7 +744,6 @@
               <a:rPr lang="en-US"/>
               <a:t>Fifth level</a:t>
             </a:r>
-            <a:endParaRPr lang="en-US"/>
           </a:p>
         </p:txBody>
       </p:sp>
@@ -872,7 +870,6 @@
               <a:rPr lang="en-US"/>
               <a:t>Click to edit Master title style</a:t>
             </a:r>
-            <a:endParaRPr lang="en-US"/>
           </a:p>
         </p:txBody>
       </p:sp>
@@ -1109,7 +1106,6 @@
               <a:rPr lang="en-US"/>
               <a:t>Click to edit Master title style</a:t>
             </a:r>
-            <a:endParaRPr lang="en-US"/>
           </a:p>
         </p:txBody>
       </p:sp>
@@ -1166,7 +1162,6 @@
               <a:rPr lang="en-US"/>
               <a:t>Fifth level</a:t>
             </a:r>
-            <a:endParaRPr lang="en-US"/>
           </a:p>
         </p:txBody>
       </p:sp>
@@ -1223,7 +1218,6 @@
               <a:rPr lang="en-US"/>
               <a:t>Fifth level</a:t>
             </a:r>
-            <a:endParaRPr lang="en-US"/>
           </a:p>
         </p:txBody>
       </p:sp>
@@ -1346,7 +1340,6 @@
               <a:rPr lang="en-US"/>
               <a:t>Click to edit Master title style</a:t>
             </a:r>
-            <a:endParaRPr lang="en-US"/>
           </a:p>
         </p:txBody>
       </p:sp>
@@ -1468,7 +1461,6 @@
               <a:rPr lang="en-US"/>
               <a:t>Fifth level</a:t>
             </a:r>
-            <a:endParaRPr lang="en-US"/>
           </a:p>
         </p:txBody>
       </p:sp>
@@ -1590,7 +1582,6 @@
               <a:rPr lang="en-US"/>
               <a:t>Fifth level</a:t>
             </a:r>
-            <a:endParaRPr lang="en-US"/>
           </a:p>
         </p:txBody>
       </p:sp>
@@ -1708,7 +1699,6 @@
               <a:rPr lang="en-US"/>
               <a:t>Click to edit Master title style</a:t>
             </a:r>
-            <a:endParaRPr lang="en-US"/>
           </a:p>
         </p:txBody>
       </p:sp>
@@ -1930,7 +1920,6 @@
               <a:rPr lang="en-US"/>
               <a:t>Click to edit Master title style</a:t>
             </a:r>
-            <a:endParaRPr lang="en-US"/>
           </a:p>
         </p:txBody>
       </p:sp>
@@ -2015,7 +2004,6 @@
               <a:rPr lang="en-US"/>
               <a:t>Fifth level</a:t>
             </a:r>
-            <a:endParaRPr lang="en-US"/>
           </a:p>
         </p:txBody>
       </p:sp>
@@ -2207,7 +2195,6 @@
               <a:rPr lang="en-US"/>
               <a:t>Click to edit Master title style</a:t>
             </a:r>
-            <a:endParaRPr lang="en-US"/>
           </a:p>
         </p:txBody>
       </p:sp>
@@ -2466,7 +2453,6 @@
               <a:rPr lang="en-US"/>
               <a:t>Click to edit Master title style</a:t>
             </a:r>
-            <a:endParaRPr lang="en-US"/>
           </a:p>
         </p:txBody>
       </p:sp>
@@ -2528,7 +2514,6 @@
               <a:rPr lang="en-US"/>
               <a:t>Fifth level</a:t>
             </a:r>
-            <a:endParaRPr lang="en-US"/>
           </a:p>
         </p:txBody>
       </p:sp>
@@ -3029,6 +3014,182 @@
 </p:sld>
 </file>
 
+<file path=ppt/slides/slide10.xml><?xml version="1.0" encoding="utf-8"?>
+<p:sld xmlns:a="http://schemas.openxmlformats.org/drawingml/2006/main" xmlns:r="http://schemas.openxmlformats.org/officeDocument/2006/relationships" xmlns:p="http://schemas.openxmlformats.org/presentationml/2006/main">
+  <p:cSld>
+    <p:spTree>
+      <p:nvGrpSpPr>
+        <p:cNvPr id="1" name=""/>
+        <p:cNvGrpSpPr/>
+        <p:nvPr/>
+      </p:nvGrpSpPr>
+      <p:grpSpPr>
+        <a:xfrm>
+          <a:off x="0" y="0"/>
+          <a:ext cx="0" cy="0"/>
+          <a:chOff x="0" y="0"/>
+          <a:chExt cx="0" cy="0"/>
+        </a:xfrm>
+      </p:grpSpPr>
+      <p:sp>
+        <p:nvSpPr>
+          <p:cNvPr id="2" name="Title 1"/>
+          <p:cNvSpPr>
+            <a:spLocks noGrp="1"/>
+          </p:cNvSpPr>
+          <p:nvPr>
+            <p:ph type="title"/>
+          </p:nvPr>
+        </p:nvSpPr>
+        <p:spPr/>
+        <p:txBody>
+          <a:bodyPr/>
+          <a:lstStyle/>
+          <a:p>
+            <a:r>
+              <a:rPr lang="en-US" dirty="0" err="1"/>
+              <a:t>ngStyle</a:t>
+            </a:r>
+            <a:r>
+              <a:rPr lang="en-US" dirty="0"/>
+              <a:t> and </a:t>
+            </a:r>
+            <a:r>
+              <a:rPr lang="en-US" dirty="0" err="1"/>
+              <a:t>ngClass</a:t>
+            </a:r>
+            <a:endParaRPr lang="en-US" dirty="0"/>
+          </a:p>
+        </p:txBody>
+      </p:sp>
+      <p:sp>
+        <p:nvSpPr>
+          <p:cNvPr id="3" name="Content Placeholder 2"/>
+          <p:cNvSpPr>
+            <a:spLocks noGrp="1"/>
+          </p:cNvSpPr>
+          <p:nvPr>
+            <p:ph idx="1"/>
+          </p:nvPr>
+        </p:nvSpPr>
+        <p:spPr/>
+        <p:txBody>
+          <a:bodyPr/>
+          <a:lstStyle/>
+          <a:p>
+            <a:r>
+              <a:rPr lang="en-US" dirty="0"/>
+              <a:t>You can also apply multiple styles/classes to an element in one shot – using </a:t>
+            </a:r>
+            <a:r>
+              <a:rPr lang="en-US" dirty="0" err="1"/>
+              <a:t>ngStyle</a:t>
+            </a:r>
+            <a:r>
+              <a:rPr lang="en-US" dirty="0"/>
+              <a:t> - </a:t>
+            </a:r>
+            <a:r>
+              <a:rPr lang="en-US" dirty="0">
+                <a:hlinkClick r:id="rId2"/>
+              </a:rPr>
+              <a:t>Demo</a:t>
+            </a:r>
+            <a:endParaRPr lang="en-US" dirty="0"/>
+          </a:p>
+          <a:p>
+            <a:endParaRPr lang="en-US" dirty="0"/>
+          </a:p>
+          <a:p>
+            <a:endParaRPr lang="en-US" dirty="0"/>
+          </a:p>
+          <a:p>
+            <a:endParaRPr lang="en-US" dirty="0"/>
+          </a:p>
+          <a:p>
+            <a:r>
+              <a:rPr lang="en-US" dirty="0"/>
+              <a:t>Same thing with </a:t>
+            </a:r>
+            <a:r>
+              <a:rPr lang="en-US" dirty="0" err="1"/>
+              <a:t>ngClass</a:t>
+            </a:r>
+            <a:r>
+              <a:rPr lang="en-US" dirty="0"/>
+              <a:t> - </a:t>
+            </a:r>
+            <a:r>
+              <a:rPr lang="en-US" dirty="0">
+                <a:hlinkClick r:id="rId3"/>
+              </a:rPr>
+              <a:t>Demo</a:t>
+            </a:r>
+            <a:endParaRPr lang="en-US" dirty="0"/>
+          </a:p>
+        </p:txBody>
+      </p:sp>
+      <p:pic>
+        <p:nvPicPr>
+          <p:cNvPr id="4" name="Picture 3"/>
+          <p:cNvPicPr>
+            <a:picLocks noChangeAspect="1"/>
+          </p:cNvPicPr>
+          <p:nvPr/>
+        </p:nvPicPr>
+        <p:blipFill>
+          <a:blip r:embed="rId4"/>
+          <a:stretch>
+            <a:fillRect/>
+          </a:stretch>
+        </p:blipFill>
+        <p:spPr>
+          <a:xfrm>
+            <a:off x="838200" y="2797785"/>
+            <a:ext cx="10483185" cy="1024915"/>
+          </a:xfrm>
+          <a:prstGeom prst="rect">
+            <a:avLst/>
+          </a:prstGeom>
+        </p:spPr>
+      </p:pic>
+      <p:pic>
+        <p:nvPicPr>
+          <p:cNvPr id="7" name="Picture 6"/>
+          <p:cNvPicPr>
+            <a:picLocks noChangeAspect="1"/>
+          </p:cNvPicPr>
+          <p:nvPr/>
+        </p:nvPicPr>
+        <p:blipFill>
+          <a:blip r:embed="rId5"/>
+          <a:stretch>
+            <a:fillRect/>
+          </a:stretch>
+        </p:blipFill>
+        <p:spPr>
+          <a:xfrm>
+            <a:off x="926120" y="4818009"/>
+            <a:ext cx="8886092" cy="1358954"/>
+          </a:xfrm>
+          <a:prstGeom prst="rect">
+            <a:avLst/>
+          </a:prstGeom>
+        </p:spPr>
+      </p:pic>
+    </p:spTree>
+    <p:extLst>
+      <p:ext uri="{BB962C8B-B14F-4D97-AF65-F5344CB8AC3E}">
+        <p14:creationId xmlns:p14="http://schemas.microsoft.com/office/powerpoint/2010/main" val="2503267164"/>
+      </p:ext>
+    </p:extLst>
+  </p:cSld>
+  <p:clrMapOvr>
+    <a:masterClrMapping/>
+  </p:clrMapOvr>
+</p:sld>
+</file>
+
 <file path=ppt/slides/slide2.xml><?xml version="1.0" encoding="utf-8"?>
 <p:sld xmlns:a="http://schemas.openxmlformats.org/drawingml/2006/main" xmlns:r="http://schemas.openxmlformats.org/officeDocument/2006/relationships" xmlns:p="http://schemas.openxmlformats.org/presentationml/2006/main">
   <p:cSld>
@@ -3324,7 +3485,63 @@
           <a:bodyPr/>
           <a:lstStyle/>
           <a:p>
-            <a:endParaRPr lang="en-US"/>
+            <a:r>
+              <a:rPr lang="en-US" dirty="0"/>
+              <a:t>number</a:t>
+            </a:r>
+          </a:p>
+          <a:p>
+            <a:r>
+              <a:rPr lang="en-US" dirty="0"/>
+              <a:t>currency</a:t>
+            </a:r>
+          </a:p>
+          <a:p>
+            <a:r>
+              <a:rPr lang="en-US" dirty="0"/>
+              <a:t>percent</a:t>
+            </a:r>
+          </a:p>
+          <a:p>
+            <a:r>
+              <a:rPr lang="en-US" dirty="0" err="1"/>
+              <a:t>json</a:t>
+            </a:r>
+            <a:endParaRPr lang="en-US" dirty="0"/>
+          </a:p>
+          <a:p>
+            <a:r>
+              <a:rPr lang="en-US"/>
+              <a:t>uppercase/lowercase</a:t>
+            </a:r>
+            <a:endParaRPr lang="en-US" dirty="0"/>
+          </a:p>
+          <a:p>
+            <a:r>
+              <a:rPr lang="en-US" dirty="0" err="1"/>
+              <a:t>async</a:t>
+            </a:r>
+            <a:endParaRPr lang="en-US" dirty="0"/>
+          </a:p>
+          <a:p>
+            <a:pPr lvl="1"/>
+            <a:r>
+              <a:rPr lang="en-US" dirty="0"/>
+              <a:t>But that’s another show</a:t>
+            </a:r>
+          </a:p>
+          <a:p>
+            <a:pPr lvl="1"/>
+            <a:endParaRPr lang="en-US" dirty="0"/>
+          </a:p>
+          <a:p>
+            <a:r>
+              <a:rPr lang="en-US" dirty="0">
+                <a:hlinkClick r:id="rId2"/>
+              </a:rPr>
+              <a:t>Demo</a:t>
+            </a:r>
+            <a:endParaRPr lang="en-US" dirty="0"/>
           </a:p>
         </p:txBody>
       </p:sp>
@@ -3587,8 +3804,15 @@
           <a:p>
             <a:r>
               <a:rPr lang="en-US" dirty="0"/>
-              <a:t>You can add CSS directly to a component!</a:t>
-            </a:r>
+              <a:t>You can add CSS directly to a component!  </a:t>
+            </a:r>
+            <a:r>
+              <a:rPr lang="en-US" dirty="0">
+                <a:hlinkClick r:id="rId2"/>
+              </a:rPr>
+              <a:t>Demo</a:t>
+            </a:r>
+            <a:endParaRPr lang="en-US" dirty="0"/>
           </a:p>
           <a:p>
             <a:endParaRPr lang="en-US" dirty="0"/>
@@ -3693,7 +3917,10 @@
           <a:bodyPr/>
           <a:lstStyle/>
           <a:p>
-            <a:endParaRPr lang="en-US"/>
+            <a:r>
+              <a:rPr lang="en-US" dirty="0"/>
+              <a:t>You already saw property bound styles</a:t>
+            </a:r>
           </a:p>
         </p:txBody>
       </p:sp>
@@ -3712,10 +3939,111 @@
           <a:bodyPr/>
           <a:lstStyle/>
           <a:p>
+            <a:r>
+              <a:rPr lang="en-US" dirty="0"/>
+              <a:t>But in case you forgot</a:t>
+            </a:r>
+          </a:p>
+          <a:p>
             <a:endParaRPr lang="en-US" dirty="0"/>
           </a:p>
         </p:txBody>
       </p:sp>
+      <p:sp>
+        <p:nvSpPr>
+          <p:cNvPr id="4" name="Right Arrow 3"/>
+          <p:cNvSpPr/>
+          <p:nvPr/>
+        </p:nvSpPr>
+        <p:spPr>
+          <a:xfrm>
+            <a:off x="5899260" y="3803623"/>
+            <a:ext cx="777765" cy="395339"/>
+          </a:xfrm>
+          <a:prstGeom prst="rightArrow">
+            <a:avLst/>
+          </a:prstGeom>
+          <a:solidFill>
+            <a:srgbClr val="FF0000"/>
+          </a:solidFill>
+        </p:spPr>
+        <p:style>
+          <a:lnRef idx="2">
+            <a:schemeClr val="accent1">
+              <a:shade val="50000"/>
+            </a:schemeClr>
+          </a:lnRef>
+          <a:fillRef idx="1">
+            <a:schemeClr val="accent1"/>
+          </a:fillRef>
+          <a:effectRef idx="0">
+            <a:schemeClr val="accent1"/>
+          </a:effectRef>
+          <a:fontRef idx="minor">
+            <a:schemeClr val="lt1"/>
+          </a:fontRef>
+        </p:style>
+        <p:txBody>
+          <a:bodyPr rtlCol="0" anchor="ctr"/>
+          <a:lstStyle/>
+          <a:p>
+            <a:pPr algn="ctr"/>
+            <a:endParaRPr lang="en-US">
+              <a:solidFill>
+                <a:srgbClr val="FF0000"/>
+              </a:solidFill>
+            </a:endParaRPr>
+          </a:p>
+        </p:txBody>
+      </p:sp>
+      <p:pic>
+        <p:nvPicPr>
+          <p:cNvPr id="5" name="Picture 4"/>
+          <p:cNvPicPr>
+            <a:picLocks noChangeAspect="1"/>
+          </p:cNvPicPr>
+          <p:nvPr/>
+        </p:nvPicPr>
+        <p:blipFill>
+          <a:blip r:embed="rId2"/>
+          <a:stretch>
+            <a:fillRect/>
+          </a:stretch>
+        </p:blipFill>
+        <p:spPr>
+          <a:xfrm>
+            <a:off x="7000846" y="3377406"/>
+            <a:ext cx="4676775" cy="1247775"/>
+          </a:xfrm>
+          <a:prstGeom prst="rect">
+            <a:avLst/>
+          </a:prstGeom>
+        </p:spPr>
+      </p:pic>
+      <p:pic>
+        <p:nvPicPr>
+          <p:cNvPr id="6" name="Picture 5"/>
+          <p:cNvPicPr>
+            <a:picLocks noChangeAspect="1"/>
+          </p:cNvPicPr>
+          <p:nvPr/>
+        </p:nvPicPr>
+        <p:blipFill>
+          <a:blip r:embed="rId3"/>
+          <a:stretch>
+            <a:fillRect/>
+          </a:stretch>
+        </p:blipFill>
+        <p:spPr>
+          <a:xfrm>
+            <a:off x="838200" y="3549040"/>
+            <a:ext cx="4819650" cy="1495425"/>
+          </a:xfrm>
+          <a:prstGeom prst="rect">
+            <a:avLst/>
+          </a:prstGeom>
+        </p:spPr>
+      </p:pic>
     </p:spTree>
     <p:extLst>
       <p:ext uri="{BB962C8B-B14F-4D97-AF65-F5344CB8AC3E}">
@@ -3761,7 +4089,10 @@
           <a:bodyPr/>
           <a:lstStyle/>
           <a:p>
-            <a:endParaRPr lang="en-US"/>
+            <a:r>
+              <a:rPr lang="en-US" dirty="0"/>
+              <a:t>How about property-bound CSS classes?</a:t>
+            </a:r>
           </a:p>
         </p:txBody>
       </p:sp>
@@ -3780,10 +4111,97 @@
           <a:bodyPr/>
           <a:lstStyle/>
           <a:p>
-            <a:endParaRPr lang="en-US"/>
-          </a:p>
-        </p:txBody>
-      </p:sp>
+            <a:r>
+              <a:rPr lang="en-US" dirty="0"/>
+              <a:t>Bind CSS classes to an element like this</a:t>
+            </a:r>
+          </a:p>
+          <a:p>
+            <a:endParaRPr lang="en-US" dirty="0"/>
+          </a:p>
+          <a:p>
+            <a:endParaRPr lang="en-US" dirty="0"/>
+          </a:p>
+          <a:p>
+            <a:endParaRPr lang="en-US" dirty="0"/>
+          </a:p>
+          <a:p>
+            <a:endParaRPr lang="en-US" dirty="0"/>
+          </a:p>
+          <a:p>
+            <a:r>
+              <a:rPr lang="en-US" dirty="0"/>
+              <a:t>If </a:t>
+            </a:r>
+            <a:r>
+              <a:rPr lang="en-US" dirty="0" err="1">
+                <a:latin typeface="Consolas" panose="020B0609020204030204" pitchFamily="49" charset="0"/>
+              </a:rPr>
+              <a:t>message.isUrgent</a:t>
+            </a:r>
+            <a:r>
+              <a:rPr lang="en-US" dirty="0"/>
+              <a:t> is </a:t>
+            </a:r>
+            <a:r>
+              <a:rPr lang="en-US" dirty="0" err="1"/>
+              <a:t>truthy</a:t>
+            </a:r>
+            <a:r>
+              <a:rPr lang="en-US" dirty="0"/>
+              <a:t>, then the big-and-bold CSS class will be applied to the element</a:t>
+            </a:r>
+          </a:p>
+        </p:txBody>
+      </p:sp>
+      <p:pic>
+        <p:nvPicPr>
+          <p:cNvPr id="4" name="Picture 3"/>
+          <p:cNvPicPr>
+            <a:picLocks noChangeAspect="1"/>
+          </p:cNvPicPr>
+          <p:nvPr/>
+        </p:nvPicPr>
+        <p:blipFill>
+          <a:blip r:embed="rId2"/>
+          <a:stretch>
+            <a:fillRect/>
+          </a:stretch>
+        </p:blipFill>
+        <p:spPr>
+          <a:xfrm>
+            <a:off x="1100137" y="2498161"/>
+            <a:ext cx="6943725" cy="1114425"/>
+          </a:xfrm>
+          <a:prstGeom prst="rect">
+            <a:avLst/>
+          </a:prstGeom>
+        </p:spPr>
+      </p:pic>
+      <p:pic>
+        <p:nvPicPr>
+          <p:cNvPr id="5" name="Picture 4"/>
+          <p:cNvPicPr>
+            <a:picLocks noChangeAspect="1"/>
+          </p:cNvPicPr>
+          <p:nvPr/>
+        </p:nvPicPr>
+        <p:blipFill>
+          <a:blip r:embed="rId3"/>
+          <a:stretch>
+            <a:fillRect/>
+          </a:stretch>
+        </p:blipFill>
+        <p:spPr>
+          <a:xfrm>
+            <a:off x="8492613" y="2404757"/>
+            <a:ext cx="3505200" cy="1666875"/>
+          </a:xfrm>
+          <a:prstGeom prst="rect">
+            <a:avLst/>
+          </a:prstGeom>
+        </p:spPr>
+      </p:pic>
     </p:spTree>
     <p:extLst>
       <p:ext uri="{BB962C8B-B14F-4D97-AF65-F5344CB8AC3E}">

--- a/slides/4 - Pipes and styling.pptx
+++ b/slides/4 - Pipes and styling.pptx
@@ -3511,10 +3511,9 @@
           </a:p>
           <a:p>
             <a:r>
-              <a:rPr lang="en-US"/>
+              <a:rPr lang="en-US" dirty="0"/>
               <a:t>uppercase/lowercase</a:t>
             </a:r>
-            <a:endParaRPr lang="en-US" dirty="0"/>
           </a:p>
           <a:p>
             <a:r>

--- a/slides/4 - Pipes and styling.pptx
+++ b/slides/4 - Pipes and styling.pptx
@@ -250,7 +250,7 @@
           <a:p>
             <a:fld id="{6FF692E0-1189-4646-ABC4-03DC47D0647C}" type="datetimeFigureOut">
               <a:rPr lang="en-US" smtClean="0"/>
-              <a:t>5/17/2016</a:t>
+              <a:t>6/21/2016</a:t>
             </a:fld>
             <a:endParaRPr lang="en-US"/>
           </a:p>
@@ -418,7 +418,7 @@
           <a:p>
             <a:fld id="{6FF692E0-1189-4646-ABC4-03DC47D0647C}" type="datetimeFigureOut">
               <a:rPr lang="en-US" smtClean="0"/>
-              <a:t>5/17/2016</a:t>
+              <a:t>6/21/2016</a:t>
             </a:fld>
             <a:endParaRPr lang="en-US"/>
           </a:p>
@@ -596,7 +596,7 @@
           <a:p>
             <a:fld id="{6FF692E0-1189-4646-ABC4-03DC47D0647C}" type="datetimeFigureOut">
               <a:rPr lang="en-US" smtClean="0"/>
-              <a:t>5/17/2016</a:t>
+              <a:t>6/21/2016</a:t>
             </a:fld>
             <a:endParaRPr lang="en-US"/>
           </a:p>
@@ -764,7 +764,7 @@
           <a:p>
             <a:fld id="{6FF692E0-1189-4646-ABC4-03DC47D0647C}" type="datetimeFigureOut">
               <a:rPr lang="en-US" smtClean="0"/>
-              <a:t>5/17/2016</a:t>
+              <a:t>6/21/2016</a:t>
             </a:fld>
             <a:endParaRPr lang="en-US"/>
           </a:p>
@@ -1009,7 +1009,7 @@
           <a:p>
             <a:fld id="{6FF692E0-1189-4646-ABC4-03DC47D0647C}" type="datetimeFigureOut">
               <a:rPr lang="en-US" smtClean="0"/>
-              <a:t>5/17/2016</a:t>
+              <a:t>6/21/2016</a:t>
             </a:fld>
             <a:endParaRPr lang="en-US"/>
           </a:p>
@@ -1238,7 +1238,7 @@
           <a:p>
             <a:fld id="{6FF692E0-1189-4646-ABC4-03DC47D0647C}" type="datetimeFigureOut">
               <a:rPr lang="en-US" smtClean="0"/>
-              <a:t>5/17/2016</a:t>
+              <a:t>6/21/2016</a:t>
             </a:fld>
             <a:endParaRPr lang="en-US"/>
           </a:p>
@@ -1602,7 +1602,7 @@
           <a:p>
             <a:fld id="{6FF692E0-1189-4646-ABC4-03DC47D0647C}" type="datetimeFigureOut">
               <a:rPr lang="en-US" smtClean="0"/>
-              <a:t>5/17/2016</a:t>
+              <a:t>6/21/2016</a:t>
             </a:fld>
             <a:endParaRPr lang="en-US"/>
           </a:p>
@@ -1719,7 +1719,7 @@
           <a:p>
             <a:fld id="{6FF692E0-1189-4646-ABC4-03DC47D0647C}" type="datetimeFigureOut">
               <a:rPr lang="en-US" smtClean="0"/>
-              <a:t>5/17/2016</a:t>
+              <a:t>6/21/2016</a:t>
             </a:fld>
             <a:endParaRPr lang="en-US"/>
           </a:p>
@@ -1814,7 +1814,7 @@
           <a:p>
             <a:fld id="{6FF692E0-1189-4646-ABC4-03DC47D0647C}" type="datetimeFigureOut">
               <a:rPr lang="en-US" smtClean="0"/>
-              <a:t>5/17/2016</a:t>
+              <a:t>6/21/2016</a:t>
             </a:fld>
             <a:endParaRPr lang="en-US"/>
           </a:p>
@@ -2089,7 +2089,7 @@
           <a:p>
             <a:fld id="{6FF692E0-1189-4646-ABC4-03DC47D0647C}" type="datetimeFigureOut">
               <a:rPr lang="en-US" smtClean="0"/>
-              <a:t>5/17/2016</a:t>
+              <a:t>6/21/2016</a:t>
             </a:fld>
             <a:endParaRPr lang="en-US"/>
           </a:p>
@@ -2341,7 +2341,7 @@
           <a:p>
             <a:fld id="{6FF692E0-1189-4646-ABC4-03DC47D0647C}" type="datetimeFigureOut">
               <a:rPr lang="en-US" smtClean="0"/>
-              <a:t>5/17/2016</a:t>
+              <a:t>6/21/2016</a:t>
             </a:fld>
             <a:endParaRPr lang="en-US"/>
           </a:p>
@@ -2552,7 +2552,7 @@
           <a:p>
             <a:fld id="{6FF692E0-1189-4646-ABC4-03DC47D0647C}" type="datetimeFigureOut">
               <a:rPr lang="en-US" smtClean="0"/>
-              <a:t>5/17/2016</a:t>
+              <a:t>6/21/2016</a:t>
             </a:fld>
             <a:endParaRPr lang="en-US"/>
           </a:p>
@@ -3482,12 +3482,20 @@
         </p:nvSpPr>
         <p:spPr/>
         <p:txBody>
-          <a:bodyPr/>
+          <a:bodyPr>
+            <a:normAutofit fontScale="92500" lnSpcReduction="10000"/>
+          </a:bodyPr>
           <a:lstStyle/>
           <a:p>
             <a:r>
               <a:rPr lang="en-US" dirty="0"/>
               <a:t>number</a:t>
+            </a:r>
+          </a:p>
+          <a:p>
+            <a:r>
+              <a:rPr lang="en-US" dirty="0"/>
+              <a:t>date</a:t>
             </a:r>
           </a:p>
           <a:p>
